--- a/JAVA.pptx
+++ b/JAVA.pptx
@@ -5,7 +5,7 @@
     <p:sldMasterId id="2147483648" r:id="rId1"/>
   </p:sldMasterIdLst>
   <p:notesMasterIdLst>
-    <p:notesMasterId r:id="rId14"/>
+    <p:notesMasterId r:id="rId13"/>
   </p:notesMasterIdLst>
   <p:sldIdLst>
     <p:sldId id="256" r:id="rId2"/>
@@ -19,7 +19,6 @@
     <p:sldId id="290" r:id="rId10"/>
     <p:sldId id="288" r:id="rId11"/>
     <p:sldId id="287" r:id="rId12"/>
-    <p:sldId id="283" r:id="rId13"/>
   </p:sldIdLst>
   <p:sldSz cx="13004800" cy="9753600"/>
   <p:notesSz cx="6858000" cy="9144000"/>
@@ -2203,7 +2202,7 @@
           </a:ln>
           <a:extLst>
             <a:ext uri="{C572A759-6A51-4108-AA02-DFA0A04FC94B}">
-              <ma14:wrappingTextBoxFlag xmlns="" xmlns:m="http://schemas.openxmlformats.org/officeDocument/2006/math" xmlns:a14="http://schemas.microsoft.com/office/drawing/2010/main" xmlns:ma14="http://schemas.microsoft.com/office/mac/drawingml/2011/main" val="1"/>
+              <ma14:wrappingTextBoxFlag xmlns:ma14="http://schemas.microsoft.com/office/mac/drawingml/2011/main" xmlns:a14="http://schemas.microsoft.com/office/drawing/2010/main" xmlns:m="http://schemas.openxmlformats.org/officeDocument/2006/math" xmlns="" val="1"/>
             </a:ext>
           </a:extLst>
         </p:spPr>
@@ -2242,7 +2241,7 @@
           </a:ln>
           <a:extLst>
             <a:ext uri="{C572A759-6A51-4108-AA02-DFA0A04FC94B}">
-              <ma14:wrappingTextBoxFlag xmlns="" xmlns:m="http://schemas.openxmlformats.org/officeDocument/2006/math" xmlns:a14="http://schemas.microsoft.com/office/drawing/2010/main" xmlns:ma14="http://schemas.microsoft.com/office/mac/drawingml/2011/main" val="1"/>
+              <ma14:wrappingTextBoxFlag xmlns:ma14="http://schemas.microsoft.com/office/mac/drawingml/2011/main" xmlns:a14="http://schemas.microsoft.com/office/drawing/2010/main" xmlns:m="http://schemas.openxmlformats.org/officeDocument/2006/math" xmlns="" val="1"/>
             </a:ext>
           </a:extLst>
         </p:spPr>
@@ -3612,124 +3611,6 @@
 </p:sld>
 </file>
 
-<file path=ppt/slides/slide12.xml><?xml version="1.0" encoding="utf-8"?>
-<p:sld xmlns:a="http://schemas.openxmlformats.org/drawingml/2006/main" xmlns:r="http://schemas.openxmlformats.org/officeDocument/2006/relationships" xmlns:p="http://schemas.openxmlformats.org/presentationml/2006/main">
-  <p:cSld>
-    <p:spTree>
-      <p:nvGrpSpPr>
-        <p:cNvPr id="1" name=""/>
-        <p:cNvGrpSpPr/>
-        <p:nvPr/>
-      </p:nvGrpSpPr>
-      <p:grpSpPr>
-        <a:xfrm>
-          <a:off x="0" y="0"/>
-          <a:ext cx="0" cy="0"/>
-          <a:chOff x="0" y="0"/>
-          <a:chExt cx="0" cy="0"/>
-        </a:xfrm>
-      </p:grpSpPr>
-      <p:sp>
-        <p:nvSpPr>
-          <p:cNvPr id="3" name="Text Placeholder 2"/>
-          <p:cNvSpPr>
-            <a:spLocks noGrp="1"/>
-          </p:cNvSpPr>
-          <p:nvPr>
-            <p:ph type="body" idx="1"/>
-          </p:nvPr>
-        </p:nvSpPr>
-        <p:spPr>
-          <a:xfrm>
-            <a:off x="952500" y="381000"/>
-            <a:ext cx="11099800" cy="8496300"/>
-          </a:xfrm>
-        </p:spPr>
-        <p:style>
-          <a:lnRef idx="2">
-            <a:schemeClr val="accent5"/>
-          </a:lnRef>
-          <a:fillRef idx="1">
-            <a:schemeClr val="lt1"/>
-          </a:fillRef>
-          <a:effectRef idx="0">
-            <a:schemeClr val="accent5"/>
-          </a:effectRef>
-          <a:fontRef idx="minor">
-            <a:schemeClr val="dk1"/>
-          </a:fontRef>
-        </p:style>
-        <p:txBody>
-          <a:bodyPr/>
-          <a:lstStyle/>
-          <a:p>
-            <a:endParaRPr lang="en-US" dirty="0"/>
-          </a:p>
-        </p:txBody>
-      </p:sp>
-      <p:sp>
-        <p:nvSpPr>
-          <p:cNvPr id="5" name="Rectangle 4"/>
-          <p:cNvSpPr/>
-          <p:nvPr/>
-        </p:nvSpPr>
-        <p:spPr>
-          <a:xfrm>
-            <a:off x="3813202" y="4415135"/>
-            <a:ext cx="4647427" cy="923330"/>
-          </a:xfrm>
-          <a:prstGeom prst="rect">
-            <a:avLst/>
-          </a:prstGeom>
-          <a:noFill/>
-        </p:spPr>
-        <p:txBody>
-          <a:bodyPr wrap="none" lIns="91440" tIns="45720" rIns="91440" bIns="45720">
-            <a:spAutoFit/>
-            <a:scene3d>
-              <a:camera prst="orthographicFront"/>
-              <a:lightRig rig="soft" dir="t">
-                <a:rot lat="0" lon="0" rev="10800000"/>
-              </a:lightRig>
-            </a:scene3d>
-            <a:sp3d>
-              <a:bevelT w="27940" h="12700"/>
-              <a:contourClr>
-                <a:srgbClr val="DDDDDD"/>
-              </a:contourClr>
-            </a:sp3d>
-          </a:bodyPr>
-          <a:lstStyle/>
-          <a:p>
-            <a:pPr algn="ctr"/>
-            <a:r>
-              <a:rPr lang="en-US" sz="5400" b="1" cap="none" spc="150" dirty="0">
-                <a:ln w="11430"/>
-                <a:solidFill>
-                  <a:srgbClr val="F8F8F8"/>
-                </a:solidFill>
-                <a:effectLst>
-                  <a:outerShdw blurRad="25400" algn="tl" rotWithShape="0">
-                    <a:srgbClr val="000000">
-                      <a:alpha val="43000"/>
-                    </a:srgbClr>
-                  </a:outerShdw>
-                </a:effectLst>
-              </a:rPr>
-              <a:t>Thank You!!!</a:t>
-            </a:r>
-          </a:p>
-        </p:txBody>
-      </p:sp>
-    </p:spTree>
-  </p:cSld>
-  <p:clrMapOvr>
-    <a:masterClrMapping/>
-  </p:clrMapOvr>
-  <p:transition spd="med"/>
-</p:sld>
-</file>
-
 <file path=ppt/slides/slide2.xml><?xml version="1.0" encoding="utf-8"?>
 <p:sld xmlns:a="http://schemas.openxmlformats.org/drawingml/2006/main" xmlns:r="http://schemas.openxmlformats.org/officeDocument/2006/relationships" xmlns:p="http://schemas.openxmlformats.org/presentationml/2006/main">
   <p:cSld>
